--- a/presentations/source/08-qualities.pptx
+++ b/presentations/source/08-qualities.pptx
@@ -232,7 +232,7 @@
             <a:fld id="{7307762F-A706-E543-A832-3C298AA3103F}" type="datetimeFigureOut">
               <a:rPr lang="en-US" smtClean="0"/>
               <a:pPr/>
-              <a:t>07/12/2012</a:t>
+              <a:t>18/12/2012</a:t>
             </a:fld>
             <a:endParaRPr lang="en-US" dirty="0"/>
           </a:p>
@@ -4043,7 +4043,7 @@
           <a:p>
             <a:fld id="{D3C942CC-F825-4F24-8987-2AF431D89ED6}" type="datetime1">
               <a:rPr lang="en-US" smtClean="0"/>
-              <a:t>07/12/2012</a:t>
+              <a:t>18/12/2012</a:t>
             </a:fld>
             <a:endParaRPr lang="en-US" dirty="0"/>
           </a:p>
@@ -5500,7 +5500,7 @@
           <a:p>
             <a:fld id="{875CF0EB-321F-0749-B37A-89BBA859503C}" type="datetimeFigureOut">
               <a:rPr lang="en-US" smtClean="0"/>
-              <a:t>07/12/2012</a:t>
+              <a:t>18/12/2012</a:t>
             </a:fld>
             <a:endParaRPr lang="en-US"/>
           </a:p>
@@ -5704,7 +5704,7 @@
           <a:p>
             <a:fld id="{875CF0EB-321F-0749-B37A-89BBA859503C}" type="datetimeFigureOut">
               <a:rPr lang="en-US" smtClean="0"/>
-              <a:t>07/12/2012</a:t>
+              <a:t>18/12/2012</a:t>
             </a:fld>
             <a:endParaRPr lang="en-US"/>
           </a:p>
@@ -6227,7 +6227,7 @@
           <a:p>
             <a:fld id="{875CF0EB-321F-0749-B37A-89BBA859503C}" type="datetimeFigureOut">
               <a:rPr lang="en-US" smtClean="0"/>
-              <a:t>07/12/2012</a:t>
+              <a:t>18/12/2012</a:t>
             </a:fld>
             <a:endParaRPr lang="en-US"/>
           </a:p>
@@ -6497,7 +6497,7 @@
           <a:p>
             <a:fld id="{875CF0EB-321F-0749-B37A-89BBA859503C}" type="datetimeFigureOut">
               <a:rPr lang="en-US" smtClean="0"/>
-              <a:t>07/12/2012</a:t>
+              <a:t>18/12/2012</a:t>
             </a:fld>
             <a:endParaRPr lang="en-US"/>
           </a:p>
@@ -6809,7 +6809,7 @@
           <a:p>
             <a:fld id="{875CF0EB-321F-0749-B37A-89BBA859503C}" type="datetimeFigureOut">
               <a:rPr lang="en-US" smtClean="0"/>
-              <a:t>07/12/2012</a:t>
+              <a:t>18/12/2012</a:t>
             </a:fld>
             <a:endParaRPr lang="en-US"/>
           </a:p>
@@ -7255,7 +7255,7 @@
           <a:p>
             <a:fld id="{875CF0EB-321F-0749-B37A-89BBA859503C}" type="datetimeFigureOut">
               <a:rPr lang="en-US" smtClean="0"/>
-              <a:t>07/12/2012</a:t>
+              <a:t>18/12/2012</a:t>
             </a:fld>
             <a:endParaRPr lang="en-US"/>
           </a:p>
@@ -7397,7 +7397,7 @@
           <a:p>
             <a:fld id="{875CF0EB-321F-0749-B37A-89BBA859503C}" type="datetimeFigureOut">
               <a:rPr lang="en-US" smtClean="0"/>
-              <a:t>07/12/2012</a:t>
+              <a:t>18/12/2012</a:t>
             </a:fld>
             <a:endParaRPr lang="en-US"/>
           </a:p>
@@ -7516,7 +7516,7 @@
           <a:p>
             <a:fld id="{875CF0EB-321F-0749-B37A-89BBA859503C}" type="datetimeFigureOut">
               <a:rPr lang="en-US" smtClean="0"/>
-              <a:t>07/12/2012</a:t>
+              <a:t>18/12/2012</a:t>
             </a:fld>
             <a:endParaRPr lang="en-US"/>
           </a:p>
@@ -7817,7 +7817,7 @@
           <a:p>
             <a:fld id="{875CF0EB-321F-0749-B37A-89BBA859503C}" type="datetimeFigureOut">
               <a:rPr lang="en-US" smtClean="0"/>
-              <a:t>07/12/2012</a:t>
+              <a:t>18/12/2012</a:t>
             </a:fld>
             <a:endParaRPr lang="en-US"/>
           </a:p>
@@ -8094,7 +8094,7 @@
           <a:p>
             <a:fld id="{875CF0EB-321F-0749-B37A-89BBA859503C}" type="datetimeFigureOut">
               <a:rPr lang="en-US" smtClean="0"/>
-              <a:t>07/12/2012</a:t>
+              <a:t>18/12/2012</a:t>
             </a:fld>
             <a:endParaRPr lang="en-US"/>
           </a:p>
@@ -8919,6 +8919,33 @@
           <a:bodyPr/>
           <a:lstStyle/>
           <a:p>
+            <a:r>
+              <a:rPr lang="en-US" dirty="0">
+                <a:ea typeface="ヒラギノ角ゴ ProN W3" charset="0"/>
+                <a:cs typeface="ヒラギノ角ゴ ProN W3" charset="0"/>
+              </a:rPr>
+              <a:t>Oxford University </a:t>
+            </a:r>
+          </a:p>
+          <a:p>
+            <a:r>
+              <a:rPr lang="en-US" dirty="0">
+                <a:ea typeface="ヒラギノ角ゴ ProN W3" charset="0"/>
+                <a:cs typeface="ヒラギノ角ゴ ProN W3" charset="0"/>
+              </a:rPr>
+              <a:t>Software Engineering Programme</a:t>
+            </a:r>
+          </a:p>
+          <a:p>
+            <a:r>
+              <a:rPr lang="en-US">
+                <a:ea typeface="ヒラギノ角ゴ ProN W3" charset="0"/>
+                <a:cs typeface="ヒラギノ角ゴ ProN W3" charset="0"/>
+              </a:rPr>
+              <a:t>Dec 2012</a:t>
+            </a:r>
+          </a:p>
+          <a:p>
             <a:endParaRPr lang="en-US"/>
           </a:p>
         </p:txBody>
@@ -9020,11 +9047,7 @@
           <a:p>
             <a:r>
               <a:rPr lang="en-US" dirty="0" smtClean="0"/>
-              <a:t>How </a:t>
-            </a:r>
-            <a:r>
-              <a:rPr lang="en-US" dirty="0" smtClean="0"/>
-              <a:t>does WS-AT fit with?</a:t>
+              <a:t>How does WS-AT fit with?</a:t>
             </a:r>
           </a:p>
           <a:p>
@@ -11443,21 +11466,6 @@
                 </a:rPr>
                 <a:t>Topic</a:t>
               </a:r>
-              <a:endParaRPr lang="en-US" sz="2300" spc="-84" dirty="0">
-                <a:gradFill>
-                  <a:gsLst>
-                    <a:gs pos="0">
-                      <a:srgbClr val="FFFFFF"/>
-                    </a:gs>
-                    <a:gs pos="100000">
-                      <a:srgbClr val="FFFFFF"/>
-                    </a:gs>
-                  </a:gsLst>
-                  <a:lin ang="5400000" scaled="0"/>
-                </a:gradFill>
-                <a:ea typeface="Segoe UI" pitchFamily="34" charset="0"/>
-                <a:cs typeface="Segoe UI" pitchFamily="34" charset="0"/>
-              </a:endParaRPr>
             </a:p>
           </p:txBody>
         </p:sp>
@@ -12760,19 +12768,7 @@
               <a:rPr lang="en-US" sz="2000" dirty="0">
                 <a:latin typeface="+mn-lt"/>
               </a:rPr>
-              <a:t>Opaque </a:t>
-            </a:r>
-            <a:r>
-              <a:rPr lang="en-US" sz="2000" dirty="0">
-                <a:latin typeface="+mn-lt"/>
-              </a:rPr>
-              <a:t>payload not exposed to the </a:t>
-            </a:r>
-            <a:r>
-              <a:rPr lang="en-US" sz="2000" dirty="0">
-                <a:latin typeface="+mn-lt"/>
-              </a:rPr>
-              <a:t>broker</a:t>
+              <a:t>Opaque payload not exposed to the broker</a:t>
             </a:r>
           </a:p>
           <a:p>
@@ -12782,9 +12778,6 @@
               </a:rPr>
               <a:t>Can be used for encrypted data</a:t>
             </a:r>
-            <a:endParaRPr lang="en-US" sz="2000" dirty="0">
-              <a:latin typeface="+mn-lt"/>
-            </a:endParaRPr>
           </a:p>
           <a:p>
             <a:endParaRPr lang="en-US" dirty="0"/>
@@ -12898,21 +12891,6 @@
                 </a:rPr>
                 <a:t>Message</a:t>
               </a:r>
-              <a:endParaRPr lang="en-US" sz="2300" spc="-84" dirty="0">
-                <a:gradFill>
-                  <a:gsLst>
-                    <a:gs pos="0">
-                      <a:srgbClr val="FFFFFF"/>
-                    </a:gs>
-                    <a:gs pos="100000">
-                      <a:srgbClr val="FFFFFF"/>
-                    </a:gs>
-                  </a:gsLst>
-                  <a:lin ang="5400000" scaled="0"/>
-                </a:gradFill>
-                <a:ea typeface="Segoe UI" pitchFamily="34" charset="0"/>
-                <a:cs typeface="Segoe UI" pitchFamily="34" charset="0"/>
-              </a:endParaRPr>
             </a:p>
           </p:txBody>
         </p:sp>
@@ -20136,7 +20114,6 @@
               <a:rPr lang="en-US" dirty="0"/>
               <a:t>techniques for maintaining the illusion in the face of complexity, </a:t>
             </a:r>
-            <a:endParaRPr lang="en-US" dirty="0"/>
           </a:p>
           <a:p>
             <a:r>
@@ -20151,7 +20128,6 @@
               <a:rPr lang="en-US" dirty="0"/>
               <a:t>arose from distributed databases </a:t>
             </a:r>
-            <a:endParaRPr lang="en-US" dirty="0"/>
           </a:p>
           <a:p>
             <a:r>
@@ -20166,7 +20142,6 @@
               <a:rPr lang="en-US" dirty="0"/>
               <a:t>, failures </a:t>
             </a:r>
-            <a:endParaRPr lang="en-US" dirty="0"/>
           </a:p>
           <a:p>
             <a:r>
@@ -20181,7 +20156,6 @@
               <a:rPr lang="en-US" dirty="0"/>
               <a:t>finance, logistics, manufacturing. . . </a:t>
             </a:r>
-            <a:endParaRPr lang="en-US" dirty="0"/>
           </a:p>
           <a:p>
             <a:r>
@@ -20227,7 +20201,6 @@
               <a:rPr lang="en-US" dirty="0"/>
               <a:t>) </a:t>
             </a:r>
-            <a:endParaRPr lang="en-US" dirty="0"/>
           </a:p>
           <a:p>
             <a:endParaRPr lang="en-US" dirty="0"/>
@@ -22178,7 +22151,6 @@
               <a:rPr lang="en-US" dirty="0"/>
               <a:t>Waldo et al, ‘A Note on Distributed Computing’, 1994 </a:t>
             </a:r>
-            <a:endParaRPr lang="en-US" dirty="0"/>
           </a:p>
           <a:p>
             <a:endParaRPr lang="en-US" dirty="0"/>
@@ -22464,7 +22436,6 @@
               <a:rPr lang="en-US" dirty="0"/>
               <a:t>-preserving: invariants satisfied </a:t>
             </a:r>
-            <a:endParaRPr lang="en-US" dirty="0"/>
           </a:p>
           <a:p>
             <a:r>
@@ -22518,7 +22489,6 @@
               <a:rPr lang="en-US" dirty="0"/>
               <a:t>committed results </a:t>
             </a:r>
-            <a:endParaRPr lang="en-US" dirty="0"/>
           </a:p>
           <a:p>
             <a:endParaRPr lang="en-US" dirty="0"/>
@@ -22614,7 +22584,6 @@
               <a:rPr lang="en-US" dirty="0"/>
               <a:t>committed and acknowledged but then discarded </a:t>
             </a:r>
-            <a:endParaRPr lang="en-US" dirty="0"/>
           </a:p>
           <a:p>
             <a:r>
@@ -22632,7 +22601,6 @@
               <a:rPr lang="en-US" dirty="0"/>
               <a:t>of multiple fields at different times </a:t>
             </a:r>
-            <a:endParaRPr lang="en-US" dirty="0"/>
           </a:p>
           <a:p>
             <a:r>
@@ -22659,7 +22627,6 @@
               <a:rPr lang="en-US" dirty="0"/>
               <a:t>of single-user abstraction </a:t>
             </a:r>
-            <a:endParaRPr lang="en-US" dirty="0"/>
           </a:p>
           <a:p>
             <a:r>
@@ -22678,7 +22645,6 @@
               <a:rPr lang="en-US" dirty="0"/>
               <a:t>simultaneous bookings of the same room </a:t>
             </a:r>
-            <a:endParaRPr lang="en-US" dirty="0"/>
           </a:p>
           <a:p>
             <a:endParaRPr lang="en-US" dirty="0"/>
@@ -22964,7 +22930,6 @@
               <a:rPr lang="en-US" dirty="0"/>
               <a:t>resources in canonical order (requires foresight), or abort one party (requires rollback) </a:t>
             </a:r>
-            <a:endParaRPr lang="en-US" dirty="0"/>
           </a:p>
         </p:txBody>
       </p:sp>
@@ -23015,11 +22980,7 @@
           <a:p>
             <a:r>
               <a:rPr lang="en-US" dirty="0" smtClean="0"/>
-              <a:t>WS-</a:t>
-            </a:r>
-            <a:r>
-              <a:rPr lang="en-US" dirty="0" smtClean="0"/>
-              <a:t>Atomic Transactions</a:t>
+              <a:t>WS-Atomic Transactions</a:t>
             </a:r>
             <a:endParaRPr lang="en-US" dirty="0"/>
           </a:p>

--- a/presentations/source/08-qualities.pptx
+++ b/presentations/source/08-qualities.pptx
@@ -232,7 +232,7 @@
             <a:fld id="{7307762F-A706-E543-A832-3C298AA3103F}" type="datetimeFigureOut">
               <a:rPr lang="en-US" smtClean="0"/>
               <a:pPr/>
-              <a:t>18/12/2012</a:t>
+              <a:t>11/27/13</a:t>
             </a:fld>
             <a:endParaRPr lang="en-US" dirty="0"/>
           </a:p>
@@ -4043,7 +4043,7 @@
           <a:p>
             <a:fld id="{D3C942CC-F825-4F24-8987-2AF431D89ED6}" type="datetime1">
               <a:rPr lang="en-US" smtClean="0"/>
-              <a:t>18/12/2012</a:t>
+              <a:t>11/27/13</a:t>
             </a:fld>
             <a:endParaRPr lang="en-US" dirty="0"/>
           </a:p>
@@ -5500,7 +5500,7 @@
           <a:p>
             <a:fld id="{875CF0EB-321F-0749-B37A-89BBA859503C}" type="datetimeFigureOut">
               <a:rPr lang="en-US" smtClean="0"/>
-              <a:t>18/12/2012</a:t>
+              <a:t>11/27/13</a:t>
             </a:fld>
             <a:endParaRPr lang="en-US"/>
           </a:p>
@@ -5704,7 +5704,7 @@
           <a:p>
             <a:fld id="{875CF0EB-321F-0749-B37A-89BBA859503C}" type="datetimeFigureOut">
               <a:rPr lang="en-US" smtClean="0"/>
-              <a:t>18/12/2012</a:t>
+              <a:t>11/27/13</a:t>
             </a:fld>
             <a:endParaRPr lang="en-US"/>
           </a:p>
@@ -6227,7 +6227,7 @@
           <a:p>
             <a:fld id="{875CF0EB-321F-0749-B37A-89BBA859503C}" type="datetimeFigureOut">
               <a:rPr lang="en-US" smtClean="0"/>
-              <a:t>18/12/2012</a:t>
+              <a:t>11/27/13</a:t>
             </a:fld>
             <a:endParaRPr lang="en-US"/>
           </a:p>
@@ -6497,7 +6497,7 @@
           <a:p>
             <a:fld id="{875CF0EB-321F-0749-B37A-89BBA859503C}" type="datetimeFigureOut">
               <a:rPr lang="en-US" smtClean="0"/>
-              <a:t>18/12/2012</a:t>
+              <a:t>11/27/13</a:t>
             </a:fld>
             <a:endParaRPr lang="en-US"/>
           </a:p>
@@ -6809,7 +6809,7 @@
           <a:p>
             <a:fld id="{875CF0EB-321F-0749-B37A-89BBA859503C}" type="datetimeFigureOut">
               <a:rPr lang="en-US" smtClean="0"/>
-              <a:t>18/12/2012</a:t>
+              <a:t>11/27/13</a:t>
             </a:fld>
             <a:endParaRPr lang="en-US"/>
           </a:p>
@@ -7255,7 +7255,7 @@
           <a:p>
             <a:fld id="{875CF0EB-321F-0749-B37A-89BBA859503C}" type="datetimeFigureOut">
               <a:rPr lang="en-US" smtClean="0"/>
-              <a:t>18/12/2012</a:t>
+              <a:t>11/27/13</a:t>
             </a:fld>
             <a:endParaRPr lang="en-US"/>
           </a:p>
@@ -7397,7 +7397,7 @@
           <a:p>
             <a:fld id="{875CF0EB-321F-0749-B37A-89BBA859503C}" type="datetimeFigureOut">
               <a:rPr lang="en-US" smtClean="0"/>
-              <a:t>18/12/2012</a:t>
+              <a:t>11/27/13</a:t>
             </a:fld>
             <a:endParaRPr lang="en-US"/>
           </a:p>
@@ -7516,7 +7516,7 @@
           <a:p>
             <a:fld id="{875CF0EB-321F-0749-B37A-89BBA859503C}" type="datetimeFigureOut">
               <a:rPr lang="en-US" smtClean="0"/>
-              <a:t>18/12/2012</a:t>
+              <a:t>11/27/13</a:t>
             </a:fld>
             <a:endParaRPr lang="en-US"/>
           </a:p>
@@ -7817,7 +7817,7 @@
           <a:p>
             <a:fld id="{875CF0EB-321F-0749-B37A-89BBA859503C}" type="datetimeFigureOut">
               <a:rPr lang="en-US" smtClean="0"/>
-              <a:t>18/12/2012</a:t>
+              <a:t>11/27/13</a:t>
             </a:fld>
             <a:endParaRPr lang="en-US"/>
           </a:p>
@@ -8094,7 +8094,7 @@
           <a:p>
             <a:fld id="{875CF0EB-321F-0749-B37A-89BBA859503C}" type="datetimeFigureOut">
               <a:rPr lang="en-US" smtClean="0"/>
-              <a:t>18/12/2012</a:t>
+              <a:t>11/27/13</a:t>
             </a:fld>
             <a:endParaRPr lang="en-US"/>
           </a:p>
@@ -8942,11 +8942,22 @@
                 <a:ea typeface="ヒラギノ角ゴ ProN W3" charset="0"/>
                 <a:cs typeface="ヒラギノ角ゴ ProN W3" charset="0"/>
               </a:rPr>
-              <a:t>Dec 2012</a:t>
-            </a:r>
-          </a:p>
-          <a:p>
-            <a:endParaRPr lang="en-US"/>
+              <a:t>Dec </a:t>
+            </a:r>
+            <a:r>
+              <a:rPr lang="en-US" smtClean="0">
+                <a:ea typeface="ヒラギノ角ゴ ProN W3" charset="0"/>
+                <a:cs typeface="ヒラギノ角ゴ ProN W3" charset="0"/>
+              </a:rPr>
+              <a:t>2013</a:t>
+            </a:r>
+            <a:endParaRPr lang="en-US">
+              <a:ea typeface="ヒラギノ角ゴ ProN W3" charset="0"/>
+              <a:cs typeface="ヒラギノ角ゴ ProN W3" charset="0"/>
+            </a:endParaRPr>
+          </a:p>
+          <a:p>
+            <a:endParaRPr lang="en-US" dirty="0"/>
           </a:p>
         </p:txBody>
       </p:sp>

--- a/presentations/source/08-qualities.pptx
+++ b/presentations/source/08-qualities.pptx
@@ -232,7 +232,7 @@
             <a:fld id="{7307762F-A706-E543-A832-3C298AA3103F}" type="datetimeFigureOut">
               <a:rPr lang="en-US" smtClean="0"/>
               <a:pPr/>
-              <a:t>11/27/13</a:t>
+              <a:t>11/21/14</a:t>
             </a:fld>
             <a:endParaRPr lang="en-US" dirty="0"/>
           </a:p>
@@ -4043,7 +4043,7 @@
           <a:p>
             <a:fld id="{D3C942CC-F825-4F24-8987-2AF431D89ED6}" type="datetime1">
               <a:rPr lang="en-US" smtClean="0"/>
-              <a:t>11/27/13</a:t>
+              <a:t>11/21/14</a:t>
             </a:fld>
             <a:endParaRPr lang="en-US" dirty="0"/>
           </a:p>
@@ -5500,7 +5500,7 @@
           <a:p>
             <a:fld id="{875CF0EB-321F-0749-B37A-89BBA859503C}" type="datetimeFigureOut">
               <a:rPr lang="en-US" smtClean="0"/>
-              <a:t>11/27/13</a:t>
+              <a:t>11/21/14</a:t>
             </a:fld>
             <a:endParaRPr lang="en-US"/>
           </a:p>
@@ -5704,7 +5704,7 @@
           <a:p>
             <a:fld id="{875CF0EB-321F-0749-B37A-89BBA859503C}" type="datetimeFigureOut">
               <a:rPr lang="en-US" smtClean="0"/>
-              <a:t>11/27/13</a:t>
+              <a:t>11/21/14</a:t>
             </a:fld>
             <a:endParaRPr lang="en-US"/>
           </a:p>
@@ -6227,7 +6227,7 @@
           <a:p>
             <a:fld id="{875CF0EB-321F-0749-B37A-89BBA859503C}" type="datetimeFigureOut">
               <a:rPr lang="en-US" smtClean="0"/>
-              <a:t>11/27/13</a:t>
+              <a:t>11/21/14</a:t>
             </a:fld>
             <a:endParaRPr lang="en-US"/>
           </a:p>
@@ -6497,7 +6497,7 @@
           <a:p>
             <a:fld id="{875CF0EB-321F-0749-B37A-89BBA859503C}" type="datetimeFigureOut">
               <a:rPr lang="en-US" smtClean="0"/>
-              <a:t>11/27/13</a:t>
+              <a:t>11/21/14</a:t>
             </a:fld>
             <a:endParaRPr lang="en-US"/>
           </a:p>
@@ -6809,7 +6809,7 @@
           <a:p>
             <a:fld id="{875CF0EB-321F-0749-B37A-89BBA859503C}" type="datetimeFigureOut">
               <a:rPr lang="en-US" smtClean="0"/>
-              <a:t>11/27/13</a:t>
+              <a:t>11/21/14</a:t>
             </a:fld>
             <a:endParaRPr lang="en-US"/>
           </a:p>
@@ -7255,7 +7255,7 @@
           <a:p>
             <a:fld id="{875CF0EB-321F-0749-B37A-89BBA859503C}" type="datetimeFigureOut">
               <a:rPr lang="en-US" smtClean="0"/>
-              <a:t>11/27/13</a:t>
+              <a:t>11/21/14</a:t>
             </a:fld>
             <a:endParaRPr lang="en-US"/>
           </a:p>
@@ -7397,7 +7397,7 @@
           <a:p>
             <a:fld id="{875CF0EB-321F-0749-B37A-89BBA859503C}" type="datetimeFigureOut">
               <a:rPr lang="en-US" smtClean="0"/>
-              <a:t>11/27/13</a:t>
+              <a:t>11/21/14</a:t>
             </a:fld>
             <a:endParaRPr lang="en-US"/>
           </a:p>
@@ -7516,7 +7516,7 @@
           <a:p>
             <a:fld id="{875CF0EB-321F-0749-B37A-89BBA859503C}" type="datetimeFigureOut">
               <a:rPr lang="en-US" smtClean="0"/>
-              <a:t>11/27/13</a:t>
+              <a:t>11/21/14</a:t>
             </a:fld>
             <a:endParaRPr lang="en-US"/>
           </a:p>
@@ -7817,7 +7817,7 @@
           <a:p>
             <a:fld id="{875CF0EB-321F-0749-B37A-89BBA859503C}" type="datetimeFigureOut">
               <a:rPr lang="en-US" smtClean="0"/>
-              <a:t>11/27/13</a:t>
+              <a:t>11/21/14</a:t>
             </a:fld>
             <a:endParaRPr lang="en-US"/>
           </a:p>
@@ -8094,7 +8094,7 @@
           <a:p>
             <a:fld id="{875CF0EB-321F-0749-B37A-89BBA859503C}" type="datetimeFigureOut">
               <a:rPr lang="en-US" smtClean="0"/>
-              <a:t>11/27/13</a:t>
+              <a:t>11/21/14</a:t>
             </a:fld>
             <a:endParaRPr lang="en-US"/>
           </a:p>
@@ -8949,7 +8949,7 @@
                 <a:ea typeface="ヒラギノ角ゴ ProN W3" charset="0"/>
                 <a:cs typeface="ヒラギノ角ゴ ProN W3" charset="0"/>
               </a:rPr>
-              <a:t>2013</a:t>
+              <a:t>2014</a:t>
             </a:r>
             <a:endParaRPr lang="en-US">
               <a:ea typeface="ヒラギノ角ゴ ProN W3" charset="0"/>

--- a/presentations/source/08-qualities.pptx
+++ b/presentations/source/08-qualities.pptx
@@ -232,7 +232,7 @@
             <a:fld id="{7307762F-A706-E543-A832-3C298AA3103F}" type="datetimeFigureOut">
               <a:rPr lang="en-US" smtClean="0"/>
               <a:pPr/>
-              <a:t>11/21/14</a:t>
+              <a:t>08/09/15</a:t>
             </a:fld>
             <a:endParaRPr lang="en-US" dirty="0"/>
           </a:p>
@@ -4043,7 +4043,7 @@
           <a:p>
             <a:fld id="{D3C942CC-F825-4F24-8987-2AF431D89ED6}" type="datetime1">
               <a:rPr lang="en-US" smtClean="0"/>
-              <a:t>11/21/14</a:t>
+              <a:t>08/09/15</a:t>
             </a:fld>
             <a:endParaRPr lang="en-US" dirty="0"/>
           </a:p>
@@ -5500,7 +5500,7 @@
           <a:p>
             <a:fld id="{875CF0EB-321F-0749-B37A-89BBA859503C}" type="datetimeFigureOut">
               <a:rPr lang="en-US" smtClean="0"/>
-              <a:t>11/21/14</a:t>
+              <a:t>08/09/15</a:t>
             </a:fld>
             <a:endParaRPr lang="en-US"/>
           </a:p>
@@ -5704,7 +5704,7 @@
           <a:p>
             <a:fld id="{875CF0EB-321F-0749-B37A-89BBA859503C}" type="datetimeFigureOut">
               <a:rPr lang="en-US" smtClean="0"/>
-              <a:t>11/21/14</a:t>
+              <a:t>08/09/15</a:t>
             </a:fld>
             <a:endParaRPr lang="en-US"/>
           </a:p>
@@ -6227,7 +6227,7 @@
           <a:p>
             <a:fld id="{875CF0EB-321F-0749-B37A-89BBA859503C}" type="datetimeFigureOut">
               <a:rPr lang="en-US" smtClean="0"/>
-              <a:t>11/21/14</a:t>
+              <a:t>08/09/15</a:t>
             </a:fld>
             <a:endParaRPr lang="en-US"/>
           </a:p>
@@ -6497,7 +6497,7 @@
           <a:p>
             <a:fld id="{875CF0EB-321F-0749-B37A-89BBA859503C}" type="datetimeFigureOut">
               <a:rPr lang="en-US" smtClean="0"/>
-              <a:t>11/21/14</a:t>
+              <a:t>08/09/15</a:t>
             </a:fld>
             <a:endParaRPr lang="en-US"/>
           </a:p>
@@ -6809,7 +6809,7 @@
           <a:p>
             <a:fld id="{875CF0EB-321F-0749-B37A-89BBA859503C}" type="datetimeFigureOut">
               <a:rPr lang="en-US" smtClean="0"/>
-              <a:t>11/21/14</a:t>
+              <a:t>08/09/15</a:t>
             </a:fld>
             <a:endParaRPr lang="en-US"/>
           </a:p>
@@ -7255,7 +7255,7 @@
           <a:p>
             <a:fld id="{875CF0EB-321F-0749-B37A-89BBA859503C}" type="datetimeFigureOut">
               <a:rPr lang="en-US" smtClean="0"/>
-              <a:t>11/21/14</a:t>
+              <a:t>08/09/15</a:t>
             </a:fld>
             <a:endParaRPr lang="en-US"/>
           </a:p>
@@ -7397,7 +7397,7 @@
           <a:p>
             <a:fld id="{875CF0EB-321F-0749-B37A-89BBA859503C}" type="datetimeFigureOut">
               <a:rPr lang="en-US" smtClean="0"/>
-              <a:t>11/21/14</a:t>
+              <a:t>08/09/15</a:t>
             </a:fld>
             <a:endParaRPr lang="en-US"/>
           </a:p>
@@ -7516,7 +7516,7 @@
           <a:p>
             <a:fld id="{875CF0EB-321F-0749-B37A-89BBA859503C}" type="datetimeFigureOut">
               <a:rPr lang="en-US" smtClean="0"/>
-              <a:t>11/21/14</a:t>
+              <a:t>08/09/15</a:t>
             </a:fld>
             <a:endParaRPr lang="en-US"/>
           </a:p>
@@ -7817,7 +7817,7 @@
           <a:p>
             <a:fld id="{875CF0EB-321F-0749-B37A-89BBA859503C}" type="datetimeFigureOut">
               <a:rPr lang="en-US" smtClean="0"/>
-              <a:t>11/21/14</a:t>
+              <a:t>08/09/15</a:t>
             </a:fld>
             <a:endParaRPr lang="en-US"/>
           </a:p>
@@ -8094,7 +8094,7 @@
           <a:p>
             <a:fld id="{875CF0EB-321F-0749-B37A-89BBA859503C}" type="datetimeFigureOut">
               <a:rPr lang="en-US" smtClean="0"/>
-              <a:t>11/21/14</a:t>
+              <a:t>08/09/15</a:t>
             </a:fld>
             <a:endParaRPr lang="en-US"/>
           </a:p>
@@ -8938,20 +8938,13 @@
           </a:p>
           <a:p>
             <a:r>
-              <a:rPr lang="en-US">
-                <a:ea typeface="ヒラギノ角ゴ ProN W3" charset="0"/>
-                <a:cs typeface="ヒラギノ角ゴ ProN W3" charset="0"/>
-              </a:rPr>
-              <a:t>Dec </a:t>
-            </a:r>
-            <a:r>
               <a:rPr lang="en-US" smtClean="0">
                 <a:ea typeface="ヒラギノ角ゴ ProN W3" charset="0"/>
                 <a:cs typeface="ヒラギノ角ゴ ProN W3" charset="0"/>
               </a:rPr>
-              <a:t>2014</a:t>
-            </a:r>
-            <a:endParaRPr lang="en-US">
+              <a:t>Sep 2015</a:t>
+            </a:r>
+            <a:endParaRPr lang="en-US" dirty="0">
               <a:ea typeface="ヒラギノ角ゴ ProN W3" charset="0"/>
               <a:cs typeface="ヒラギノ角ゴ ProN W3" charset="0"/>
             </a:endParaRPr>
